--- a/fast-final-project/fast-f2-SNIEOSIKOV OLEH.pptx
+++ b/fast-final-project/fast-f2-SNIEOSIKOV OLEH.pptx
@@ -13,8 +13,8 @@
     <p:sldId id="261" r:id="rId7"/>
     <p:sldId id="262" r:id="rId8"/>
     <p:sldId id="263" r:id="rId9"/>
-    <p:sldId id="264" r:id="rId10"/>
-    <p:sldId id="265" r:id="rId11"/>
+    <p:sldId id="265" r:id="rId10"/>
+    <p:sldId id="264" r:id="rId11"/>
     <p:sldId id="266" r:id="rId12"/>
     <p:sldId id="267" r:id="rId13"/>
     <p:sldId id="268" r:id="rId14"/>
@@ -261,7 +261,7 @@
           <a:p>
             <a:fld id="{2087CE15-6D4E-43FC-A92C-42DA02A5558B}" type="datetimeFigureOut">
               <a:rPr lang="en-US" smtClean="0"/>
-              <a:t>7/8/2021</a:t>
+              <a:t>7/9/2021</a:t>
             </a:fld>
             <a:endParaRPr lang="en-US"/>
           </a:p>
@@ -431,7 +431,7 @@
           <a:p>
             <a:fld id="{2087CE15-6D4E-43FC-A92C-42DA02A5558B}" type="datetimeFigureOut">
               <a:rPr lang="en-US" smtClean="0"/>
-              <a:t>7/8/2021</a:t>
+              <a:t>7/9/2021</a:t>
             </a:fld>
             <a:endParaRPr lang="en-US"/>
           </a:p>
@@ -611,7 +611,7 @@
           <a:p>
             <a:fld id="{2087CE15-6D4E-43FC-A92C-42DA02A5558B}" type="datetimeFigureOut">
               <a:rPr lang="en-US" smtClean="0"/>
-              <a:t>7/8/2021</a:t>
+              <a:t>7/9/2021</a:t>
             </a:fld>
             <a:endParaRPr lang="en-US"/>
           </a:p>
@@ -781,7 +781,7 @@
           <a:p>
             <a:fld id="{2087CE15-6D4E-43FC-A92C-42DA02A5558B}" type="datetimeFigureOut">
               <a:rPr lang="en-US" smtClean="0"/>
-              <a:t>7/8/2021</a:t>
+              <a:t>7/9/2021</a:t>
             </a:fld>
             <a:endParaRPr lang="en-US"/>
           </a:p>
@@ -1027,7 +1027,7 @@
           <a:p>
             <a:fld id="{2087CE15-6D4E-43FC-A92C-42DA02A5558B}" type="datetimeFigureOut">
               <a:rPr lang="en-US" smtClean="0"/>
-              <a:t>7/8/2021</a:t>
+              <a:t>7/9/2021</a:t>
             </a:fld>
             <a:endParaRPr lang="en-US"/>
           </a:p>
@@ -1259,7 +1259,7 @@
           <a:p>
             <a:fld id="{2087CE15-6D4E-43FC-A92C-42DA02A5558B}" type="datetimeFigureOut">
               <a:rPr lang="en-US" smtClean="0"/>
-              <a:t>7/8/2021</a:t>
+              <a:t>7/9/2021</a:t>
             </a:fld>
             <a:endParaRPr lang="en-US"/>
           </a:p>
@@ -1626,7 +1626,7 @@
           <a:p>
             <a:fld id="{2087CE15-6D4E-43FC-A92C-42DA02A5558B}" type="datetimeFigureOut">
               <a:rPr lang="en-US" smtClean="0"/>
-              <a:t>7/8/2021</a:t>
+              <a:t>7/9/2021</a:t>
             </a:fld>
             <a:endParaRPr lang="en-US"/>
           </a:p>
@@ -1744,7 +1744,7 @@
           <a:p>
             <a:fld id="{2087CE15-6D4E-43FC-A92C-42DA02A5558B}" type="datetimeFigureOut">
               <a:rPr lang="en-US" smtClean="0"/>
-              <a:t>7/8/2021</a:t>
+              <a:t>7/9/2021</a:t>
             </a:fld>
             <a:endParaRPr lang="en-US"/>
           </a:p>
@@ -1839,7 +1839,7 @@
           <a:p>
             <a:fld id="{2087CE15-6D4E-43FC-A92C-42DA02A5558B}" type="datetimeFigureOut">
               <a:rPr lang="en-US" smtClean="0"/>
-              <a:t>7/8/2021</a:t>
+              <a:t>7/9/2021</a:t>
             </a:fld>
             <a:endParaRPr lang="en-US"/>
           </a:p>
@@ -2116,7 +2116,7 @@
           <a:p>
             <a:fld id="{2087CE15-6D4E-43FC-A92C-42DA02A5558B}" type="datetimeFigureOut">
               <a:rPr lang="en-US" smtClean="0"/>
-              <a:t>7/8/2021</a:t>
+              <a:t>7/9/2021</a:t>
             </a:fld>
             <a:endParaRPr lang="en-US"/>
           </a:p>
@@ -2369,7 +2369,7 @@
           <a:p>
             <a:fld id="{2087CE15-6D4E-43FC-A92C-42DA02A5558B}" type="datetimeFigureOut">
               <a:rPr lang="en-US" smtClean="0"/>
-              <a:t>7/8/2021</a:t>
+              <a:t>7/9/2021</a:t>
             </a:fld>
             <a:endParaRPr lang="en-US"/>
           </a:p>
@@ -2582,7 +2582,7 @@
           <a:p>
             <a:fld id="{2087CE15-6D4E-43FC-A92C-42DA02A5558B}" type="datetimeFigureOut">
               <a:rPr lang="en-US" smtClean="0"/>
-              <a:t>7/8/2021</a:t>
+              <a:t>7/9/2021</a:t>
             </a:fld>
             <a:endParaRPr lang="en-US"/>
           </a:p>
@@ -3023,16 +3023,7 @@
                 </a:solidFill>
                 <a:latin typeface="Baskerville Old Face" panose="02020602080505020303" pitchFamily="18" charset="0"/>
               </a:rPr>
-              <a:t>Fast-lab Final </a:t>
-            </a:r>
-            <a:r>
-              <a:rPr lang="en-US" dirty="0" smtClean="0">
-                <a:solidFill>
-                  <a:srgbClr val="FFC000"/>
-                </a:solidFill>
-                <a:latin typeface="Baskerville Old Face" panose="02020602080505020303" pitchFamily="18" charset="0"/>
-              </a:rPr>
-              <a:t>Project:</a:t>
+              <a:t>Fast-lab Final Project:</a:t>
             </a:r>
             <a:br>
               <a:rPr lang="en-US" dirty="0" smtClean="0">
@@ -3171,22 +3162,65 @@
         </p:nvSpPr>
         <p:spPr>
           <a:xfrm>
-            <a:off x="3429000" y="0"/>
-            <a:ext cx="5334000" cy="492125"/>
+            <a:off x="866775" y="0"/>
+            <a:ext cx="10515600" cy="587375"/>
           </a:xfrm>
         </p:spPr>
         <p:txBody>
           <a:bodyPr>
-            <a:normAutofit fontScale="90000"/>
+            <a:noAutofit/>
           </a:bodyPr>
           <a:lstStyle/>
           <a:p>
             <a:pPr algn="ctr"/>
             <a:r>
-              <a:rPr lang="en-US" dirty="0" smtClean="0"/>
-              <a:t>All instances work !</a:t>
-            </a:r>
-            <a:endParaRPr lang="en-US" dirty="0"/>
+              <a:rPr lang="en-US" sz="2400" dirty="0"/>
+              <a:t>There are we can see </a:t>
+            </a:r>
+            <a:r>
+              <a:rPr lang="en-US" sz="2400" dirty="0" smtClean="0"/>
+              <a:t>that </a:t>
+            </a:r>
+            <a:r>
+              <a:rPr lang="en-US" sz="2400" dirty="0" err="1" smtClean="0"/>
+              <a:t>Instanses</a:t>
+            </a:r>
+            <a:r>
+              <a:rPr lang="en-US" sz="2400" dirty="0" smtClean="0"/>
+              <a:t> is up </a:t>
+            </a:r>
+            <a:r>
+              <a:rPr lang="en-US" sz="2400" dirty="0" smtClean="0"/>
+              <a:t>and </a:t>
+            </a:r>
+            <a:r>
+              <a:rPr lang="en-US" sz="2400" dirty="0" smtClean="0"/>
+              <a:t>how </a:t>
+            </a:r>
+            <a:r>
+              <a:rPr lang="en-US" sz="2400" dirty="0"/>
+              <a:t>works SSL Certificate </a:t>
+            </a:r>
+            <a:r>
+              <a:rPr lang="en-US" sz="2400" dirty="0" smtClean="0"/>
+              <a:t/>
+            </a:r>
+            <a:br>
+              <a:rPr lang="en-US" sz="2400" dirty="0" smtClean="0"/>
+            </a:br>
+            <a:r>
+              <a:rPr lang="en-US" sz="2400" dirty="0" smtClean="0"/>
+              <a:t>on </a:t>
+            </a:r>
+            <a:r>
+              <a:rPr lang="en-US" sz="2400" dirty="0"/>
+              <a:t>all instances, deployed by </a:t>
+            </a:r>
+            <a:r>
+              <a:rPr lang="en-US" sz="2400" dirty="0" err="1"/>
+              <a:t>ansible</a:t>
+            </a:r>
+            <a:endParaRPr lang="en-US" sz="2400" dirty="0"/>
           </a:p>
         </p:txBody>
       </p:sp>
@@ -3206,8 +3240,8 @@
         </p:blipFill>
         <p:spPr>
           <a:xfrm>
-            <a:off x="0" y="492124"/>
-            <a:ext cx="4987636" cy="4930087"/>
+            <a:off x="1" y="587375"/>
+            <a:ext cx="3956858" cy="3315377"/>
           </a:xfrm>
           <a:prstGeom prst="rect">
             <a:avLst/>
@@ -3216,7 +3250,7 @@
       </p:pic>
       <p:pic>
         <p:nvPicPr>
-          <p:cNvPr id="8" name="Рисунок 7"/>
+          <p:cNvPr id="5" name="Рисунок 4"/>
           <p:cNvPicPr>
             <a:picLocks noChangeAspect="1"/>
           </p:cNvPicPr>
@@ -3230,8 +3264,56 @@
         </p:blipFill>
         <p:spPr>
           <a:xfrm>
-            <a:off x="5835447" y="570980"/>
-            <a:ext cx="4962786" cy="4405985"/>
+            <a:off x="1" y="3942571"/>
+            <a:ext cx="3887239" cy="2915429"/>
+          </a:xfrm>
+          <a:prstGeom prst="rect">
+            <a:avLst/>
+          </a:prstGeom>
+        </p:spPr>
+      </p:pic>
+      <p:pic>
+        <p:nvPicPr>
+          <p:cNvPr id="6" name="Рисунок 5"/>
+          <p:cNvPicPr>
+            <a:picLocks noChangeAspect="1"/>
+          </p:cNvPicPr>
+          <p:nvPr/>
+        </p:nvPicPr>
+        <p:blipFill>
+          <a:blip r:embed="rId4"/>
+          <a:stretch>
+            <a:fillRect/>
+          </a:stretch>
+        </p:blipFill>
+        <p:spPr>
+          <a:xfrm>
+            <a:off x="5561213" y="3788839"/>
+            <a:ext cx="3746615" cy="3069161"/>
+          </a:xfrm>
+          <a:prstGeom prst="rect">
+            <a:avLst/>
+          </a:prstGeom>
+        </p:spPr>
+      </p:pic>
+      <p:pic>
+        <p:nvPicPr>
+          <p:cNvPr id="10" name="Рисунок 9"/>
+          <p:cNvPicPr>
+            <a:picLocks noChangeAspect="1"/>
+          </p:cNvPicPr>
+          <p:nvPr/>
+        </p:nvPicPr>
+        <p:blipFill>
+          <a:blip r:embed="rId5"/>
+          <a:stretch>
+            <a:fillRect/>
+          </a:stretch>
+        </p:blipFill>
+        <p:spPr>
+          <a:xfrm>
+            <a:off x="5561213" y="587375"/>
+            <a:ext cx="3864274" cy="2804218"/>
           </a:xfrm>
           <a:prstGeom prst="rect">
             <a:avLst/>
@@ -3241,7 +3323,7 @@
     </p:spTree>
     <p:extLst>
       <p:ext uri="{BB962C8B-B14F-4D97-AF65-F5344CB8AC3E}">
-        <p14:creationId xmlns:p14="http://schemas.microsoft.com/office/powerpoint/2010/main" val="457554617"/>
+        <p14:creationId xmlns:p14="http://schemas.microsoft.com/office/powerpoint/2010/main" val="2363940688"/>
       </p:ext>
     </p:extLst>
   </p:cSld>
@@ -3638,15 +3720,7 @@
             <a:pPr algn="ctr"/>
             <a:r>
               <a:rPr lang="en-US" sz="2800" dirty="0" smtClean="0"/>
-              <a:t>Here </a:t>
-            </a:r>
-            <a:r>
-              <a:rPr lang="en-US" sz="2800" dirty="0" smtClean="0"/>
-              <a:t>we can see </a:t>
-            </a:r>
-            <a:r>
-              <a:rPr lang="en-US" sz="2800" dirty="0" smtClean="0"/>
-              <a:t>deployment progress</a:t>
+              <a:t>Here we can see deployment progress</a:t>
             </a:r>
             <a:endParaRPr lang="en-US" sz="2800" dirty="0"/>
           </a:p>
@@ -4606,11 +4680,7 @@
           <a:p>
             <a:r>
               <a:rPr lang="en-US" dirty="0" smtClean="0"/>
-              <a:t>Location of my </a:t>
-            </a:r>
-            <a:r>
-              <a:rPr lang="en-US" dirty="0" smtClean="0"/>
-              <a:t>fork </a:t>
+              <a:t>Location of my fork </a:t>
             </a:r>
             <a:r>
               <a:rPr lang="en-US" dirty="0" err="1" smtClean="0"/>
@@ -4619,10 +4689,6 @@
             <a:r>
               <a:rPr lang="en-US" dirty="0" smtClean="0"/>
               <a:t> :</a:t>
-            </a:r>
-            <a:r>
-              <a:rPr lang="en-US" dirty="0" smtClean="0"/>
-              <a:t/>
             </a:r>
             <a:br>
               <a:rPr lang="en-US" dirty="0" smtClean="0"/>
@@ -4687,47 +4753,30 @@
           <a:chExt cx="0" cy="0"/>
         </a:xfrm>
       </p:grpSpPr>
-      <p:sp>
-        <p:nvSpPr>
-          <p:cNvPr id="2" name="Заголовок 1"/>
-          <p:cNvSpPr>
-            <a:spLocks noGrp="1"/>
-          </p:cNvSpPr>
-          <p:nvPr>
-            <p:ph type="title"/>
-          </p:nvPr>
-        </p:nvSpPr>
-        <p:spPr>
-          <a:xfrm>
-            <a:off x="747799" y="1587731"/>
-            <a:ext cx="10515600" cy="3072333"/>
-          </a:xfrm>
-        </p:spPr>
-        <p:txBody>
-          <a:bodyPr>
-            <a:normAutofit/>
-          </a:bodyPr>
-          <a:lstStyle/>
-          <a:p>
-            <a:pPr algn="ctr"/>
-            <a:r>
-              <a:rPr lang="en-US" sz="8000" dirty="0" smtClean="0">
-                <a:solidFill>
-                  <a:srgbClr val="FF0000"/>
-                </a:solidFill>
-                <a:latin typeface="Bell MT" panose="02020503060305020303" pitchFamily="18" charset="0"/>
-              </a:rPr>
-              <a:t>Thank you very much!</a:t>
-            </a:r>
-            <a:endParaRPr lang="en-US" sz="8000" dirty="0">
-              <a:solidFill>
-                <a:srgbClr val="FF0000"/>
-              </a:solidFill>
-              <a:latin typeface="Bell MT" panose="02020503060305020303" pitchFamily="18" charset="0"/>
-            </a:endParaRPr>
-          </a:p>
-        </p:txBody>
-      </p:sp>
+      <p:pic>
+        <p:nvPicPr>
+          <p:cNvPr id="3" name="Рисунок 2"/>
+          <p:cNvPicPr>
+            <a:picLocks noChangeAspect="1"/>
+          </p:cNvPicPr>
+          <p:nvPr/>
+        </p:nvPicPr>
+        <p:blipFill>
+          <a:blip r:embed="rId2"/>
+          <a:stretch>
+            <a:fillRect/>
+          </a:stretch>
+        </p:blipFill>
+        <p:spPr>
+          <a:xfrm>
+            <a:off x="1444439" y="0"/>
+            <a:ext cx="8830091" cy="6625990"/>
+          </a:xfrm>
+          <a:prstGeom prst="rect">
+            <a:avLst/>
+          </a:prstGeom>
+        </p:spPr>
+      </p:pic>
     </p:spTree>
     <p:extLst>
       <p:ext uri="{BB962C8B-B14F-4D97-AF65-F5344CB8AC3E}">
@@ -5511,7 +5560,7 @@
                 </a:solidFill>
                 <a:hlinkClick r:id="rId2"/>
               </a:rPr>
-              <a:t>jenkins.oleg-dp.cf</a:t>
+              <a:t>jenkins.sneo.cf</a:t>
             </a:r>
             <a:r>
               <a:rPr lang="en-US" dirty="0" smtClean="0">
@@ -5532,7 +5581,7 @@
                 </a:solidFill>
                 <a:hlinkClick r:id="rId3"/>
               </a:rPr>
-              <a:t>petclinic.oleg-dp.cf</a:t>
+              <a:t>petclinic.sneo.cf</a:t>
             </a:r>
             <a:endParaRPr lang="en-US" dirty="0" smtClean="0">
               <a:solidFill>
@@ -5554,14 +5603,14 @@
               <a:t>Allocate </a:t>
             </a:r>
             <a:r>
-              <a:rPr lang="en-US" dirty="0">
+              <a:rPr lang="en-US" dirty="0" smtClean="0">
                 <a:solidFill>
                   <a:schemeClr val="accent4">
                     <a:lumMod val="50000"/>
                   </a:schemeClr>
                 </a:solidFill>
               </a:rPr>
-              <a:t>2</a:t>
+              <a:t>and reserve 2 </a:t>
             </a:r>
             <a:r>
               <a:rPr lang="en-US" dirty="0">
@@ -5571,7 +5620,7 @@
                   </a:schemeClr>
                 </a:solidFill>
               </a:rPr>
-              <a:t> External IP addresses </a:t>
+              <a:t>External IP addresses </a:t>
             </a:r>
             <a:r>
               <a:rPr lang="en-US" dirty="0" smtClean="0">
@@ -5600,7 +5649,7 @@
                   </a:schemeClr>
                 </a:solidFill>
               </a:rPr>
-              <a:t>Installing </a:t>
+              <a:t>Install </a:t>
             </a:r>
             <a:r>
               <a:rPr lang="en-US" dirty="0">
@@ -5652,24 +5701,24 @@
           </a:p>
           <a:p>
             <a:r>
-              <a:rPr lang="en-US" dirty="0">
+              <a:rPr lang="en-US" dirty="0" smtClean="0">
                 <a:solidFill>
                   <a:schemeClr val="accent4">
                     <a:lumMod val="50000"/>
                   </a:schemeClr>
                 </a:solidFill>
               </a:rPr>
-              <a:t>Writing code for building </a:t>
-            </a:r>
-            <a:r>
-              <a:rPr lang="en-US" dirty="0" smtClean="0">
+              <a:t>Write a </a:t>
+            </a:r>
+            <a:r>
+              <a:rPr lang="en-US" dirty="0">
                 <a:solidFill>
                   <a:schemeClr val="accent4">
                     <a:lumMod val="50000"/>
                   </a:schemeClr>
                 </a:solidFill>
               </a:rPr>
-              <a:t>infrastructure in Terraform on </a:t>
+              <a:t>code for building </a:t>
             </a:r>
             <a:r>
               <a:rPr lang="en-US" dirty="0" smtClean="0">
@@ -5679,7 +5728,7 @@
                   </a:schemeClr>
                 </a:solidFill>
               </a:rPr>
-              <a:t>GCP</a:t>
+              <a:t>infrastructure in Terraform on </a:t>
             </a:r>
             <a:r>
               <a:rPr lang="en-US" dirty="0" smtClean="0">
@@ -5689,69 +5738,26 @@
                   </a:schemeClr>
                 </a:solidFill>
               </a:rPr>
-              <a:t> </a:t>
-            </a:r>
-            <a:r>
-              <a:rPr lang="en-US" dirty="0" smtClean="0">
+              <a:t>GCP. </a:t>
+            </a:r>
+            <a:r>
+              <a:rPr lang="en-US" dirty="0">
                 <a:solidFill>
                   <a:schemeClr val="accent4">
                     <a:lumMod val="50000"/>
                   </a:schemeClr>
                 </a:solidFill>
               </a:rPr>
-              <a:t>(</a:t>
-            </a:r>
-            <a:r>
-              <a:rPr lang="en-US" sz="1900" i="1" dirty="0">
-                <a:solidFill>
-                  <a:srgbClr val="FF0000"/>
-                </a:solidFill>
-              </a:rPr>
-              <a:t>For example, some software will be </a:t>
-            </a:r>
-            <a:r>
-              <a:rPr lang="en-US" sz="1900" i="1" dirty="0" smtClean="0">
-                <a:solidFill>
-                  <a:srgbClr val="FF0000"/>
-                </a:solidFill>
-              </a:rPr>
-              <a:t>installed by </a:t>
-            </a:r>
-            <a:r>
-              <a:rPr lang="en-US" sz="1900" i="1" dirty="0">
-                <a:solidFill>
-                  <a:srgbClr val="FF0000"/>
-                </a:solidFill>
-              </a:rPr>
-              <a:t>terraform</a:t>
-            </a:r>
-            <a:r>
-              <a:rPr lang="en-US" dirty="0" smtClean="0">
+              <a:t>Code location: </a:t>
+            </a:r>
+            <a:r>
+              <a:rPr lang="en-US" sz="2100" dirty="0">
                 <a:solidFill>
                   <a:schemeClr val="accent4">
                     <a:lumMod val="50000"/>
                   </a:schemeClr>
                 </a:solidFill>
-              </a:rPr>
-              <a:t>). </a:t>
-            </a:r>
-            <a:r>
-              <a:rPr lang="en-US" dirty="0">
-                <a:solidFill>
-                  <a:schemeClr val="accent4">
-                    <a:lumMod val="50000"/>
-                  </a:schemeClr>
-                </a:solidFill>
-              </a:rPr>
-              <a:t>Code location: </a:t>
-            </a:r>
-            <a:r>
-              <a:rPr lang="en-US" sz="1300" dirty="0">
-                <a:solidFill>
-                  <a:schemeClr val="accent4">
-                    <a:lumMod val="50000"/>
-                  </a:schemeClr>
-                </a:solidFill>
+                <a:hlinkClick r:id="rId4"/>
               </a:rPr>
               <a:t>https://github.com/Oleg-dp/DevOps_online_Dnipro_2020Q42021Q1/tree/master/fast-final-project</a:t>
             </a:r>
@@ -5804,6 +5810,17 @@
               </a:rPr>
               <a:t> for Jenkins </a:t>
             </a:r>
+            <a:r>
+              <a:rPr lang="en-US" dirty="0">
+                <a:solidFill>
+                  <a:schemeClr val="accent4">
+                    <a:lumMod val="50000"/>
+                  </a:schemeClr>
+                </a:solidFill>
+                <a:hlinkClick r:id="rId2"/>
+              </a:rPr>
+              <a:t>jenkins.sneo.cf</a:t>
+            </a:r>
             <a:endParaRPr lang="en-US" dirty="0">
               <a:solidFill>
                 <a:schemeClr val="accent4">
@@ -5861,7 +5878,7 @@
                   </a:schemeClr>
                 </a:solidFill>
               </a:rPr>
-              <a:t>Prod </a:t>
+              <a:t>Production instance </a:t>
             </a:r>
             <a:r>
               <a:rPr lang="en-US" dirty="0" smtClean="0">
@@ -5870,8 +5887,9 @@
                     <a:lumMod val="50000"/>
                   </a:schemeClr>
                 </a:solidFill>
+                <a:hlinkClick r:id="rId3"/>
               </a:rPr>
-              <a:t>instance</a:t>
+              <a:t>petclinic.sneo.cf</a:t>
             </a:r>
             <a:endParaRPr lang="en-US" dirty="0">
               <a:solidFill>
@@ -5939,7 +5957,7 @@
                   </a:schemeClr>
                 </a:solidFill>
               </a:rPr>
-              <a:t>Logon to Jenkins and check </a:t>
+              <a:t>Logon to </a:t>
             </a:r>
             <a:r>
               <a:rPr lang="en-US" dirty="0" smtClean="0">
@@ -5949,19 +5967,17 @@
                   </a:schemeClr>
                 </a:solidFill>
               </a:rPr>
-              <a:t>jobs</a:t>
-            </a:r>
-          </a:p>
-          <a:p>
-            <a:r>
-              <a:rPr lang="en-US" dirty="0" smtClean="0">
+              <a:t>Jenkins and </a:t>
+            </a:r>
+            <a:r>
+              <a:rPr lang="en-US" dirty="0">
                 <a:solidFill>
                   <a:schemeClr val="accent4">
                     <a:lumMod val="50000"/>
                   </a:schemeClr>
                 </a:solidFill>
               </a:rPr>
-              <a:t>Run </a:t>
+              <a:t>check </a:t>
             </a:r>
             <a:r>
               <a:rPr lang="en-US" dirty="0" smtClean="0">
@@ -5971,7 +5987,26 @@
                   </a:schemeClr>
                 </a:solidFill>
               </a:rPr>
-              <a:t>Job</a:t>
+              <a:t>jobs</a:t>
+            </a:r>
+            <a:endParaRPr lang="en-US" dirty="0" smtClean="0">
+              <a:solidFill>
+                <a:schemeClr val="accent4">
+                  <a:lumMod val="50000"/>
+                </a:schemeClr>
+              </a:solidFill>
+            </a:endParaRPr>
+          </a:p>
+          <a:p>
+            <a:r>
+              <a:rPr lang="en-US" dirty="0" smtClean="0">
+                <a:solidFill>
+                  <a:schemeClr val="accent4">
+                    <a:lumMod val="50000"/>
+                  </a:schemeClr>
+                </a:solidFill>
+              </a:rPr>
+              <a:t>Run Job</a:t>
             </a:r>
             <a:endParaRPr lang="ru-RU" dirty="0" smtClean="0">
               <a:solidFill>
@@ -6546,41 +6581,30 @@
         </p:nvSpPr>
         <p:spPr>
           <a:xfrm>
-            <a:off x="866775" y="0"/>
-            <a:ext cx="10515600" cy="587375"/>
+            <a:off x="3429000" y="0"/>
+            <a:ext cx="5334000" cy="492125"/>
           </a:xfrm>
         </p:spPr>
         <p:txBody>
           <a:bodyPr>
-            <a:noAutofit/>
+            <a:normAutofit fontScale="90000"/>
           </a:bodyPr>
           <a:lstStyle/>
           <a:p>
-            <a:r>
-              <a:rPr lang="en-US" sz="2400" dirty="0"/>
-              <a:t>There are we can see </a:t>
-            </a:r>
-            <a:r>
-              <a:rPr lang="en-US" sz="2400" dirty="0" smtClean="0"/>
-              <a:t>that </a:t>
-            </a:r>
-            <a:r>
-              <a:rPr lang="en-US" sz="2400" dirty="0" err="1" smtClean="0"/>
-              <a:t>Instanses</a:t>
-            </a:r>
-            <a:r>
-              <a:rPr lang="en-US" sz="2400" dirty="0" smtClean="0"/>
-              <a:t> is up and how </a:t>
-            </a:r>
-            <a:r>
-              <a:rPr lang="en-US" sz="2400" dirty="0"/>
-              <a:t>works SSL Certificate on all instances, deployed by </a:t>
-            </a:r>
-            <a:r>
-              <a:rPr lang="en-US" sz="2400" dirty="0" err="1"/>
-              <a:t>ansible</a:t>
-            </a:r>
-            <a:endParaRPr lang="en-US" sz="2400" dirty="0"/>
+            <a:pPr algn="ctr"/>
+            <a:r>
+              <a:rPr lang="en-US" dirty="0" smtClean="0"/>
+              <a:t>All instances </a:t>
+            </a:r>
+            <a:r>
+              <a:rPr lang="en-US" dirty="0" smtClean="0"/>
+              <a:t>is up </a:t>
+            </a:r>
+            <a:r>
+              <a:rPr lang="en-US" dirty="0" smtClean="0"/>
+              <a:t>!</a:t>
+            </a:r>
+            <a:endParaRPr lang="en-US" dirty="0"/>
           </a:p>
         </p:txBody>
       </p:sp>
@@ -6600,8 +6624,8 @@
         </p:blipFill>
         <p:spPr>
           <a:xfrm>
-            <a:off x="1" y="587375"/>
-            <a:ext cx="3956858" cy="3315377"/>
+            <a:off x="0" y="492124"/>
+            <a:ext cx="4987636" cy="4930087"/>
           </a:xfrm>
           <a:prstGeom prst="rect">
             <a:avLst/>
@@ -6610,7 +6634,7 @@
       </p:pic>
       <p:pic>
         <p:nvPicPr>
-          <p:cNvPr id="5" name="Рисунок 4"/>
+          <p:cNvPr id="8" name="Рисунок 7"/>
           <p:cNvPicPr>
             <a:picLocks noChangeAspect="1"/>
           </p:cNvPicPr>
@@ -6624,56 +6648,8 @@
         </p:blipFill>
         <p:spPr>
           <a:xfrm>
-            <a:off x="1" y="3942571"/>
-            <a:ext cx="3887239" cy="2915429"/>
-          </a:xfrm>
-          <a:prstGeom prst="rect">
-            <a:avLst/>
-          </a:prstGeom>
-        </p:spPr>
-      </p:pic>
-      <p:pic>
-        <p:nvPicPr>
-          <p:cNvPr id="6" name="Рисунок 5"/>
-          <p:cNvPicPr>
-            <a:picLocks noChangeAspect="1"/>
-          </p:cNvPicPr>
-          <p:nvPr/>
-        </p:nvPicPr>
-        <p:blipFill>
-          <a:blip r:embed="rId4"/>
-          <a:stretch>
-            <a:fillRect/>
-          </a:stretch>
-        </p:blipFill>
-        <p:spPr>
-          <a:xfrm>
-            <a:off x="5561213" y="3788839"/>
-            <a:ext cx="3746615" cy="3069161"/>
-          </a:xfrm>
-          <a:prstGeom prst="rect">
-            <a:avLst/>
-          </a:prstGeom>
-        </p:spPr>
-      </p:pic>
-      <p:pic>
-        <p:nvPicPr>
-          <p:cNvPr id="10" name="Рисунок 9"/>
-          <p:cNvPicPr>
-            <a:picLocks noChangeAspect="1"/>
-          </p:cNvPicPr>
-          <p:nvPr/>
-        </p:nvPicPr>
-        <p:blipFill>
-          <a:blip r:embed="rId5"/>
-          <a:stretch>
-            <a:fillRect/>
-          </a:stretch>
-        </p:blipFill>
-        <p:spPr>
-          <a:xfrm>
-            <a:off x="5561213" y="587375"/>
-            <a:ext cx="3864274" cy="2804218"/>
+            <a:off x="5835447" y="570980"/>
+            <a:ext cx="4962786" cy="4405985"/>
           </a:xfrm>
           <a:prstGeom prst="rect">
             <a:avLst/>
@@ -6683,7 +6659,7 @@
     </p:spTree>
     <p:extLst>
       <p:ext uri="{BB962C8B-B14F-4D97-AF65-F5344CB8AC3E}">
-        <p14:creationId xmlns:p14="http://schemas.microsoft.com/office/powerpoint/2010/main" val="2363940688"/>
+        <p14:creationId xmlns:p14="http://schemas.microsoft.com/office/powerpoint/2010/main" val="457554617"/>
       </p:ext>
     </p:extLst>
   </p:cSld>
